--- a/Presentations/ML Multiple Linear Regression.pptx
+++ b/Presentations/ML Multiple Linear Regression.pptx
@@ -296,7 +296,7 @@
             <a:fld id="{1D8BD707-D9CF-40AE-B4C6-C98DA3205C09}" type="datetimeFigureOut">
               <a:rPr lang="en-US" smtClean="0"/>
               <a:pPr/>
-              <a:t>7/8/2017</a:t>
+              <a:t>7/13/2017</a:t>
             </a:fld>
             <a:endParaRPr lang="en-US"/>
           </a:p>
@@ -463,7 +463,7 @@
             <a:fld id="{1D8BD707-D9CF-40AE-B4C6-C98DA3205C09}" type="datetimeFigureOut">
               <a:rPr lang="en-US" smtClean="0"/>
               <a:pPr/>
-              <a:t>7/8/2017</a:t>
+              <a:t>7/13/2017</a:t>
             </a:fld>
             <a:endParaRPr lang="en-US"/>
           </a:p>
@@ -640,7 +640,7 @@
             <a:fld id="{1D8BD707-D9CF-40AE-B4C6-C98DA3205C09}" type="datetimeFigureOut">
               <a:rPr lang="en-US" smtClean="0"/>
               <a:pPr/>
-              <a:t>7/8/2017</a:t>
+              <a:t>7/13/2017</a:t>
             </a:fld>
             <a:endParaRPr lang="en-US"/>
           </a:p>
@@ -807,7 +807,7 @@
             <a:fld id="{1D8BD707-D9CF-40AE-B4C6-C98DA3205C09}" type="datetimeFigureOut">
               <a:rPr lang="en-US" smtClean="0"/>
               <a:pPr/>
-              <a:t>7/8/2017</a:t>
+              <a:t>7/13/2017</a:t>
             </a:fld>
             <a:endParaRPr lang="en-US"/>
           </a:p>
@@ -1050,7 +1050,7 @@
             <a:fld id="{1D8BD707-D9CF-40AE-B4C6-C98DA3205C09}" type="datetimeFigureOut">
               <a:rPr lang="en-US" smtClean="0"/>
               <a:pPr/>
-              <a:t>7/8/2017</a:t>
+              <a:t>7/13/2017</a:t>
             </a:fld>
             <a:endParaRPr lang="en-US"/>
           </a:p>
@@ -1335,7 +1335,7 @@
             <a:fld id="{1D8BD707-D9CF-40AE-B4C6-C98DA3205C09}" type="datetimeFigureOut">
               <a:rPr lang="en-US" smtClean="0"/>
               <a:pPr/>
-              <a:t>7/8/2017</a:t>
+              <a:t>7/13/2017</a:t>
             </a:fld>
             <a:endParaRPr lang="en-US"/>
           </a:p>
@@ -1754,7 +1754,7 @@
             <a:fld id="{1D8BD707-D9CF-40AE-B4C6-C98DA3205C09}" type="datetimeFigureOut">
               <a:rPr lang="en-US" smtClean="0"/>
               <a:pPr/>
-              <a:t>7/8/2017</a:t>
+              <a:t>7/13/2017</a:t>
             </a:fld>
             <a:endParaRPr lang="en-US"/>
           </a:p>
@@ -1869,7 +1869,7 @@
             <a:fld id="{1D8BD707-D9CF-40AE-B4C6-C98DA3205C09}" type="datetimeFigureOut">
               <a:rPr lang="en-US" smtClean="0"/>
               <a:pPr/>
-              <a:t>7/8/2017</a:t>
+              <a:t>7/13/2017</a:t>
             </a:fld>
             <a:endParaRPr lang="en-US"/>
           </a:p>
@@ -1961,7 +1961,7 @@
             <a:fld id="{1D8BD707-D9CF-40AE-B4C6-C98DA3205C09}" type="datetimeFigureOut">
               <a:rPr lang="en-US" smtClean="0"/>
               <a:pPr/>
-              <a:t>7/8/2017</a:t>
+              <a:t>7/13/2017</a:t>
             </a:fld>
             <a:endParaRPr lang="en-US"/>
           </a:p>
@@ -2235,7 +2235,7 @@
             <a:fld id="{1D8BD707-D9CF-40AE-B4C6-C98DA3205C09}" type="datetimeFigureOut">
               <a:rPr lang="en-US" smtClean="0"/>
               <a:pPr/>
-              <a:t>7/8/2017</a:t>
+              <a:t>7/13/2017</a:t>
             </a:fld>
             <a:endParaRPr lang="en-US"/>
           </a:p>
@@ -2485,7 +2485,7 @@
             <a:fld id="{1D8BD707-D9CF-40AE-B4C6-C98DA3205C09}" type="datetimeFigureOut">
               <a:rPr lang="en-US" smtClean="0"/>
               <a:pPr/>
-              <a:t>7/8/2017</a:t>
+              <a:t>7/13/2017</a:t>
             </a:fld>
             <a:endParaRPr lang="en-US"/>
           </a:p>
@@ -2695,7 +2695,7 @@
             <a:fld id="{1D8BD707-D9CF-40AE-B4C6-C98DA3205C09}" type="datetimeFigureOut">
               <a:rPr lang="en-US" smtClean="0"/>
               <a:pPr/>
-              <a:t>7/8/2017</a:t>
+              <a:t>7/13/2017</a:t>
             </a:fld>
             <a:endParaRPr lang="en-US"/>
           </a:p>
@@ -3099,11 +3099,7 @@
             </a:br>
             <a:r>
               <a:rPr lang="en-US" dirty="0" smtClean="0"/>
-              <a:t>Multiple </a:t>
-            </a:r>
-            <a:r>
-              <a:rPr lang="en-US" dirty="0" smtClean="0"/>
-              <a:t>Linear Regression</a:t>
+              <a:t>Multiple Linear Regression</a:t>
             </a:r>
             <a:r>
               <a:rPr lang="en-US" dirty="0"/>
@@ -3163,14 +3159,14 @@
               </a:rPr>
             </a:br>
             <a:r>
-              <a:rPr lang="en-US" sz="2400" dirty="0">
+              <a:rPr lang="en-US" sz="2400" smtClean="0">
                 <a:solidFill>
                   <a:schemeClr val="accent1">
                     <a:lumMod val="75000"/>
                   </a:schemeClr>
                 </a:solidFill>
               </a:rPr>
-              <a:t>Andrew </a:t>
+              <a:t>Created by Andrew </a:t>
             </a:r>
             <a:r>
               <a:rPr lang="en-US" sz="2400" dirty="0" err="1" smtClean="0">
@@ -3202,14 +3198,24 @@
               </a:rPr>
             </a:br>
             <a:r>
-              <a:rPr lang="en-US" sz="2400" dirty="0">
+              <a:rPr lang="en-US" sz="2400" dirty="0" smtClean="0">
                 <a:solidFill>
                   <a:schemeClr val="accent1">
                     <a:lumMod val="75000"/>
                   </a:schemeClr>
                 </a:solidFill>
               </a:rPr>
-              <a:t>Community Outreach </a:t>
+              <a:t>Community </a:t>
+            </a:r>
+            <a:r>
+              <a:rPr lang="en-US" sz="2400" dirty="0">
+                <a:solidFill>
+                  <a:schemeClr val="accent1">
+                    <a:lumMod val="75000"/>
+                  </a:schemeClr>
+                </a:solidFill>
+              </a:rPr>
+              <a:t>Outreach </a:t>
             </a:r>
             <a:r>
               <a:rPr lang="en-US" sz="2400" dirty="0" smtClean="0">
@@ -3426,17 +3432,7 @@
                   </a:schemeClr>
                 </a:solidFill>
               </a:rPr>
-              <a:t>Multiple Linear </a:t>
-            </a:r>
-            <a:r>
-              <a:rPr lang="en-US" dirty="0" smtClean="0">
-                <a:solidFill>
-                  <a:schemeClr val="accent1">
-                    <a:lumMod val="75000"/>
-                  </a:schemeClr>
-                </a:solidFill>
-              </a:rPr>
-              <a:t>Regression</a:t>
+              <a:t>Multiple Linear Regression</a:t>
             </a:r>
             <a:endParaRPr lang="en-US" dirty="0">
               <a:solidFill>
@@ -4097,11 +4093,7 @@
             </a:r>
             <a:r>
               <a:rPr lang="en-US" b="1" dirty="0" smtClean="0"/>
-              <a:t> </a:t>
-            </a:r>
-            <a:r>
-              <a:rPr lang="en-US" b="1" dirty="0" smtClean="0"/>
-              <a:t>(Independent Variable)</a:t>
+              <a:t> (Independent Variable)</a:t>
             </a:r>
             <a:endParaRPr lang="en-US" b="1" dirty="0"/>
           </a:p>
@@ -4263,9 +4255,9 @@
                   </a:schemeClr>
                 </a:solidFill>
               </a:rPr>
-              <a:t>Used to Predict a correlation between </a:t>
-            </a:r>
-            <a:r>
+              <a:t>Used to Predict a correlation between more than one </a:t>
+            </a:r>
+            <a:br>
               <a:rPr lang="en-US" sz="2800" b="1" dirty="0" smtClean="0">
                 <a:solidFill>
                   <a:schemeClr val="accent5">
@@ -4273,8 +4265,7 @@
                   </a:schemeClr>
                 </a:solidFill>
               </a:rPr>
-              <a:t>more than one</a:t>
-            </a:r>
+            </a:br>
             <a:r>
               <a:rPr lang="en-US" sz="2800" b="1" dirty="0" smtClean="0">
                 <a:solidFill>
@@ -4283,9 +4274,9 @@
                   </a:schemeClr>
                 </a:solidFill>
               </a:rPr>
-              <a:t> </a:t>
-            </a:r>
-            <a:r>
+              <a:t>independent variables and a dependent variable.</a:t>
+            </a:r>
+            <a:br>
               <a:rPr lang="en-US" sz="2800" b="1" dirty="0" smtClean="0">
                 <a:solidFill>
                   <a:schemeClr val="accent5">
@@ -4293,9 +4284,8 @@
                   </a:schemeClr>
                 </a:solidFill>
               </a:rPr>
-              <a:t/>
-            </a:r>
-            <a:br>
+            </a:br>
+            <a:r>
               <a:rPr lang="en-US" sz="2800" b="1" dirty="0" smtClean="0">
                 <a:solidFill>
                   <a:schemeClr val="accent5">
@@ -4303,34 +4293,6 @@
                   </a:schemeClr>
                 </a:solidFill>
               </a:rPr>
-            </a:br>
-            <a:r>
-              <a:rPr lang="en-US" sz="2800" b="1" dirty="0" smtClean="0">
-                <a:solidFill>
-                  <a:schemeClr val="accent5">
-                    <a:lumMod val="75000"/>
-                  </a:schemeClr>
-                </a:solidFill>
-              </a:rPr>
-              <a:t>independent variables and a dependent variable.</a:t>
-            </a:r>
-            <a:br>
-              <a:rPr lang="en-US" sz="2800" b="1" dirty="0" smtClean="0">
-                <a:solidFill>
-                  <a:schemeClr val="accent5">
-                    <a:lumMod val="75000"/>
-                  </a:schemeClr>
-                </a:solidFill>
-              </a:rPr>
-            </a:br>
-            <a:r>
-              <a:rPr lang="en-US" sz="2800" b="1" dirty="0" smtClean="0">
-                <a:solidFill>
-                  <a:schemeClr val="accent5">
-                    <a:lumMod val="75000"/>
-                  </a:schemeClr>
-                </a:solidFill>
-              </a:rPr>
               <a:t>   </a:t>
             </a:r>
             <a:r>
@@ -4341,48 +4303,10 @@
                   </a:schemeClr>
                 </a:solidFill>
               </a:rPr>
-              <a:t>e.g</a:t>
-            </a:r>
-            <a:r>
-              <a:rPr lang="en-US" sz="2400" b="1" dirty="0" smtClean="0">
-                <a:solidFill>
-                  <a:schemeClr val="accent5">
-                    <a:lumMod val="50000"/>
-                  </a:schemeClr>
-                </a:solidFill>
-              </a:rPr>
-              <a:t>., </a:t>
-            </a:r>
-            <a:r>
-              <a:rPr lang="en-US" sz="2400" b="1" dirty="0" smtClean="0">
-                <a:solidFill>
-                  <a:schemeClr val="accent5">
-                    <a:lumMod val="50000"/>
-                  </a:schemeClr>
-                </a:solidFill>
-              </a:rPr>
-              <a:t>Income and Age is </a:t>
-            </a:r>
-            <a:r>
-              <a:rPr lang="en-US" sz="2400" b="1" dirty="0" smtClean="0">
-                <a:solidFill>
-                  <a:schemeClr val="accent5">
-                    <a:lumMod val="50000"/>
-                  </a:schemeClr>
-                </a:solidFill>
-              </a:rPr>
-              <a:t>correlated with </a:t>
-            </a:r>
-            <a:r>
-              <a:rPr lang="en-US" sz="2400" b="1" dirty="0" smtClean="0">
-                <a:solidFill>
-                  <a:schemeClr val="accent5">
-                    <a:lumMod val="50000"/>
-                  </a:schemeClr>
-                </a:solidFill>
-              </a:rPr>
-              <a:t>Spending</a:t>
-            </a:r>
+              <a:t>e.g., Income and Age is correlated with Spending</a:t>
+            </a:r>
+          </a:p>
+          <a:p>
             <a:endParaRPr lang="en-US" sz="2400" b="1" dirty="0" smtClean="0">
               <a:solidFill>
                 <a:schemeClr val="accent5">
@@ -4392,15 +4316,6 @@
             </a:endParaRPr>
           </a:p>
           <a:p>
-            <a:endParaRPr lang="en-US" sz="2400" b="1" dirty="0" smtClean="0">
-              <a:solidFill>
-                <a:schemeClr val="accent5">
-                  <a:lumMod val="50000"/>
-                </a:schemeClr>
-              </a:solidFill>
-            </a:endParaRPr>
-          </a:p>
-          <a:p>
             <a:pPr marL="285750" indent="-285750">
               <a:buFont typeface="Arial" panose="020B0604020202020204" pitchFamily="34" charset="0"/>
               <a:buChar char="•"/>
@@ -4452,17 +4367,7 @@
                   </a:schemeClr>
                 </a:solidFill>
               </a:rPr>
-              <a:t>be a </a:t>
-            </a:r>
-            <a:r>
-              <a:rPr lang="en-US" sz="2800" b="1" dirty="0" smtClean="0">
-                <a:solidFill>
-                  <a:schemeClr val="accent5">
-                    <a:lumMod val="75000"/>
-                  </a:schemeClr>
-                </a:solidFill>
-              </a:rPr>
-              <a:t>hyperplane relationship.</a:t>
+              <a:t>be a hyperplane relationship.</a:t>
             </a:r>
             <a:endParaRPr lang="en-US" sz="2800" b="1" dirty="0">
               <a:solidFill>
@@ -4539,11 +4444,7 @@
             </a:r>
             <a:r>
               <a:rPr lang="en-US" b="1" dirty="0" smtClean="0"/>
-              <a:t> </a:t>
-            </a:r>
-            <a:r>
-              <a:rPr lang="en-US" b="1" dirty="0" smtClean="0"/>
-              <a:t>(Independent Variable)</a:t>
+              <a:t> (Independent Variable)</a:t>
             </a:r>
             <a:endParaRPr lang="en-US" b="1" dirty="0"/>
           </a:p>
@@ -4667,17 +4568,7 @@
                   </a:schemeClr>
                 </a:solidFill>
               </a:rPr>
-              <a:t>Simple vs. </a:t>
-            </a:r>
-            <a:r>
-              <a:rPr lang="en-US" dirty="0" smtClean="0">
-                <a:solidFill>
-                  <a:schemeClr val="accent1">
-                    <a:lumMod val="75000"/>
-                  </a:schemeClr>
-                </a:solidFill>
-              </a:rPr>
-              <a:t>Multiple Linear Regression</a:t>
+              <a:t>Simple vs. Multiple Linear Regression</a:t>
             </a:r>
             <a:endParaRPr lang="en-US" dirty="0">
               <a:solidFill>

--- a/Presentations/ML Multiple Linear Regression.pptx
+++ b/Presentations/ML Multiple Linear Regression.pptx
@@ -296,7 +296,7 @@
             <a:fld id="{1D8BD707-D9CF-40AE-B4C6-C98DA3205C09}" type="datetimeFigureOut">
               <a:rPr lang="en-US" smtClean="0"/>
               <a:pPr/>
-              <a:t>7/13/2017</a:t>
+              <a:t>11/26/2017</a:t>
             </a:fld>
             <a:endParaRPr lang="en-US"/>
           </a:p>
@@ -463,7 +463,7 @@
             <a:fld id="{1D8BD707-D9CF-40AE-B4C6-C98DA3205C09}" type="datetimeFigureOut">
               <a:rPr lang="en-US" smtClean="0"/>
               <a:pPr/>
-              <a:t>7/13/2017</a:t>
+              <a:t>11/26/2017</a:t>
             </a:fld>
             <a:endParaRPr lang="en-US"/>
           </a:p>
@@ -640,7 +640,7 @@
             <a:fld id="{1D8BD707-D9CF-40AE-B4C6-C98DA3205C09}" type="datetimeFigureOut">
               <a:rPr lang="en-US" smtClean="0"/>
               <a:pPr/>
-              <a:t>7/13/2017</a:t>
+              <a:t>11/26/2017</a:t>
             </a:fld>
             <a:endParaRPr lang="en-US"/>
           </a:p>
@@ -807,7 +807,7 @@
             <a:fld id="{1D8BD707-D9CF-40AE-B4C6-C98DA3205C09}" type="datetimeFigureOut">
               <a:rPr lang="en-US" smtClean="0"/>
               <a:pPr/>
-              <a:t>7/13/2017</a:t>
+              <a:t>11/26/2017</a:t>
             </a:fld>
             <a:endParaRPr lang="en-US"/>
           </a:p>
@@ -1050,7 +1050,7 @@
             <a:fld id="{1D8BD707-D9CF-40AE-B4C6-C98DA3205C09}" type="datetimeFigureOut">
               <a:rPr lang="en-US" smtClean="0"/>
               <a:pPr/>
-              <a:t>7/13/2017</a:t>
+              <a:t>11/26/2017</a:t>
             </a:fld>
             <a:endParaRPr lang="en-US"/>
           </a:p>
@@ -1335,7 +1335,7 @@
             <a:fld id="{1D8BD707-D9CF-40AE-B4C6-C98DA3205C09}" type="datetimeFigureOut">
               <a:rPr lang="en-US" smtClean="0"/>
               <a:pPr/>
-              <a:t>7/13/2017</a:t>
+              <a:t>11/26/2017</a:t>
             </a:fld>
             <a:endParaRPr lang="en-US"/>
           </a:p>
@@ -1754,7 +1754,7 @@
             <a:fld id="{1D8BD707-D9CF-40AE-B4C6-C98DA3205C09}" type="datetimeFigureOut">
               <a:rPr lang="en-US" smtClean="0"/>
               <a:pPr/>
-              <a:t>7/13/2017</a:t>
+              <a:t>11/26/2017</a:t>
             </a:fld>
             <a:endParaRPr lang="en-US"/>
           </a:p>
@@ -1869,7 +1869,7 @@
             <a:fld id="{1D8BD707-D9CF-40AE-B4C6-C98DA3205C09}" type="datetimeFigureOut">
               <a:rPr lang="en-US" smtClean="0"/>
               <a:pPr/>
-              <a:t>7/13/2017</a:t>
+              <a:t>11/26/2017</a:t>
             </a:fld>
             <a:endParaRPr lang="en-US"/>
           </a:p>
@@ -1961,7 +1961,7 @@
             <a:fld id="{1D8BD707-D9CF-40AE-B4C6-C98DA3205C09}" type="datetimeFigureOut">
               <a:rPr lang="en-US" smtClean="0"/>
               <a:pPr/>
-              <a:t>7/13/2017</a:t>
+              <a:t>11/26/2017</a:t>
             </a:fld>
             <a:endParaRPr lang="en-US"/>
           </a:p>
@@ -2235,7 +2235,7 @@
             <a:fld id="{1D8BD707-D9CF-40AE-B4C6-C98DA3205C09}" type="datetimeFigureOut">
               <a:rPr lang="en-US" smtClean="0"/>
               <a:pPr/>
-              <a:t>7/13/2017</a:t>
+              <a:t>11/26/2017</a:t>
             </a:fld>
             <a:endParaRPr lang="en-US"/>
           </a:p>
@@ -2485,7 +2485,7 @@
             <a:fld id="{1D8BD707-D9CF-40AE-B4C6-C98DA3205C09}" type="datetimeFigureOut">
               <a:rPr lang="en-US" smtClean="0"/>
               <a:pPr/>
-              <a:t>7/13/2017</a:t>
+              <a:t>11/26/2017</a:t>
             </a:fld>
             <a:endParaRPr lang="en-US"/>
           </a:p>
@@ -2695,7 +2695,7 @@
             <a:fld id="{1D8BD707-D9CF-40AE-B4C6-C98DA3205C09}" type="datetimeFigureOut">
               <a:rPr lang="en-US" smtClean="0"/>
               <a:pPr/>
-              <a:t>7/13/2017</a:t>
+              <a:t>11/26/2017</a:t>
             </a:fld>
             <a:endParaRPr lang="en-US"/>
           </a:p>
@@ -3137,17 +3137,56 @@
                   </a:schemeClr>
                 </a:solidFill>
               </a:rPr>
-              <a:t>Portland Data Science </a:t>
-            </a:r>
-            <a:r>
-              <a:rPr lang="en-US" sz="2400" dirty="0">
+              <a:t>Artificial Intelligence Training</a:t>
+            </a:r>
+            <a:br>
+              <a:rPr lang="en-US" sz="2400" dirty="0" smtClean="0">
                 <a:solidFill>
                   <a:schemeClr val="accent1">
                     <a:lumMod val="75000"/>
                   </a:schemeClr>
                 </a:solidFill>
               </a:rPr>
-              <a:t>Group</a:t>
+            </a:br>
+            <a:r>
+              <a:rPr lang="en-US" sz="2400" dirty="0" smtClean="0">
+                <a:solidFill>
+                  <a:schemeClr val="accent1">
+                    <a:lumMod val="75000"/>
+                  </a:schemeClr>
+                </a:solidFill>
+              </a:rPr>
+              <a:t>Created </a:t>
+            </a:r>
+            <a:r>
+              <a:rPr lang="en-US" sz="2400" dirty="0" smtClean="0">
+                <a:solidFill>
+                  <a:schemeClr val="accent1">
+                    <a:lumMod val="75000"/>
+                  </a:schemeClr>
+                </a:solidFill>
+              </a:rPr>
+              <a:t>by Andrew </a:t>
+            </a:r>
+            <a:r>
+              <a:rPr lang="en-US" sz="2400" dirty="0" err="1" smtClean="0">
+                <a:solidFill>
+                  <a:schemeClr val="accent1">
+                    <a:lumMod val="75000"/>
+                  </a:schemeClr>
+                </a:solidFill>
+              </a:rPr>
+              <a:t>Ferlitsch</a:t>
+            </a:r>
+            <a:r>
+              <a:rPr lang="en-US" sz="2400" dirty="0">
+                <a:solidFill>
+                  <a:schemeClr val="accent1">
+                    <a:lumMod val="75000"/>
+                  </a:schemeClr>
+                </a:solidFill>
+              </a:rPr>
+              <a:t/>
             </a:r>
             <a:br>
               <a:rPr lang="en-US" sz="2400" dirty="0">
@@ -3159,73 +3198,14 @@
               </a:rPr>
             </a:br>
             <a:r>
-              <a:rPr lang="en-US" sz="2400" smtClean="0">
+              <a:rPr lang="en-US" sz="2400" dirty="0" smtClean="0">
                 <a:solidFill>
                   <a:schemeClr val="accent1">
                     <a:lumMod val="75000"/>
                   </a:schemeClr>
                 </a:solidFill>
               </a:rPr>
-              <a:t>Created by Andrew </a:t>
-            </a:r>
-            <a:r>
-              <a:rPr lang="en-US" sz="2400" dirty="0" err="1" smtClean="0">
-                <a:solidFill>
-                  <a:schemeClr val="accent1">
-                    <a:lumMod val="75000"/>
-                  </a:schemeClr>
-                </a:solidFill>
-              </a:rPr>
-              <a:t>Ferlitsch</a:t>
-            </a:r>
-            <a:r>
-              <a:rPr lang="en-US" sz="2400" dirty="0">
-                <a:solidFill>
-                  <a:schemeClr val="accent1">
-                    <a:lumMod val="75000"/>
-                  </a:schemeClr>
-                </a:solidFill>
-              </a:rPr>
-              <a:t/>
-            </a:r>
-            <a:br>
-              <a:rPr lang="en-US" sz="2400" dirty="0">
-                <a:solidFill>
-                  <a:schemeClr val="accent1">
-                    <a:lumMod val="75000"/>
-                  </a:schemeClr>
-                </a:solidFill>
-              </a:rPr>
-            </a:br>
-            <a:r>
-              <a:rPr lang="en-US" sz="2400" dirty="0" smtClean="0">
-                <a:solidFill>
-                  <a:schemeClr val="accent1">
-                    <a:lumMod val="75000"/>
-                  </a:schemeClr>
-                </a:solidFill>
-              </a:rPr>
-              <a:t>Community </a:t>
-            </a:r>
-            <a:r>
-              <a:rPr lang="en-US" sz="2400" dirty="0">
-                <a:solidFill>
-                  <a:schemeClr val="accent1">
-                    <a:lumMod val="75000"/>
-                  </a:schemeClr>
-                </a:solidFill>
-              </a:rPr>
-              <a:t>Outreach </a:t>
-            </a:r>
-            <a:r>
-              <a:rPr lang="en-US" sz="2400" dirty="0" smtClean="0">
-                <a:solidFill>
-                  <a:schemeClr val="accent1">
-                    <a:lumMod val="75000"/>
-                  </a:schemeClr>
-                </a:solidFill>
-              </a:rPr>
-              <a:t>Officer</a:t>
+              <a:t>Instructor</a:t>
             </a:r>
             <a:r>
               <a:rPr lang="en-US" sz="2400" dirty="0" smtClean="0"/>
@@ -9006,7 +8986,7 @@
         <p:spPr>
           <a:xfrm>
             <a:off x="1237058" y="4082912"/>
-            <a:ext cx="3180230" cy="307777"/>
+            <a:ext cx="3666453" cy="307777"/>
           </a:xfrm>
           <a:prstGeom prst="rect">
             <a:avLst/>
@@ -9025,7 +9005,31 @@
                   <a:srgbClr val="00B050"/>
                 </a:solidFill>
               </a:rPr>
-              <a:t>Eliminate x2 (2), where 0 is x0 (constant) </a:t>
+              <a:t>Eliminate </a:t>
+            </a:r>
+            <a:r>
+              <a:rPr lang="en-US" sz="1400" smtClean="0">
+                <a:solidFill>
+                  <a:srgbClr val="00B050"/>
+                </a:solidFill>
+              </a:rPr>
+              <a:t>x2 </a:t>
+            </a:r>
+            <a:r>
+              <a:rPr lang="en-US" sz="1400" smtClean="0">
+                <a:solidFill>
+                  <a:srgbClr val="00B050"/>
+                </a:solidFill>
+              </a:rPr>
+              <a:t>(index=2</a:t>
+            </a:r>
+            <a:r>
+              <a:rPr lang="en-US" sz="1400" dirty="0" smtClean="0">
+                <a:solidFill>
+                  <a:srgbClr val="00B050"/>
+                </a:solidFill>
+              </a:rPr>
+              <a:t>), where 0 is x0 (constant) </a:t>
             </a:r>
             <a:endParaRPr lang="en-US" sz="1400" dirty="0">
               <a:solidFill>
